--- a/Presentations/Meetings/2020-04-06/Meeting2020-04-06.pptx
+++ b/Presentations/Meetings/2020-04-06/Meeting2020-04-06.pptx
@@ -3373,7 +3373,7 @@
           <a:p>
             <a:r>
               <a:rPr lang="en-US" dirty="0"/>
-              <a:t>Meeting 03/30/2020</a:t>
+              <a:t>Meeting 04/06/2020</a:t>
             </a:r>
             <a:endParaRPr lang="en-ZA" dirty="0"/>
           </a:p>
@@ -3544,6 +3544,21 @@
               <a:rPr lang="en-US" dirty="0"/>
               <a:t>Elements joined at single corner nodes are attached</a:t>
             </a:r>
+          </a:p>
+          <a:p>
+            <a:pPr lvl="1"/>
+            <a:r>
+              <a:rPr lang="en-US" dirty="0"/>
+              <a:t>Implement error checking</a:t>
+            </a:r>
+          </a:p>
+          <a:p>
+            <a:pPr lvl="1"/>
+            <a:r>
+              <a:rPr lang="en-US"/>
+              <a:t>Implement timers</a:t>
+            </a:r>
+            <a:endParaRPr lang="en-US" dirty="0"/>
           </a:p>
           <a:p>
             <a:r>
